--- a/FunctionParameters/FunctionParameters.pptx
+++ b/FunctionParameters/FunctionParameters.pptx
@@ -221,7 +221,7 @@
           <a:p>
             <a:fld id="{19104133-B5B0-4351-8158-4F0E5EB1E2BF}" type="datetimeFigureOut">
               <a:rPr lang="en-US" smtClean="0"/>
-              <a:t>9/7/2022</a:t>
+              <a:t>9/4/2024</a:t>
             </a:fld>
             <a:endParaRPr lang="en-US"/>
           </a:p>
@@ -2062,7 +2062,7 @@
             <a:fld id="{1C2D31DE-C454-491C-B5C3-F097855E3DF7}" type="datetime4">
               <a:rPr lang="en-US" smtClean="0"/>
               <a:pPr/>
-              <a:t>September 7, 2022</a:t>
+              <a:t>September 4, 2024</a:t>
             </a:fld>
             <a:endParaRPr lang="en-US" dirty="0"/>
           </a:p>
@@ -5454,7 +5454,7 @@
           <a:p>
             <a:fld id="{5958763E-B898-436D-883D-03711491D54A}" type="datetimeFigureOut">
               <a:rPr lang="en-US" smtClean="0"/>
-              <a:t>9/7/2022</a:t>
+              <a:t>9/4/2024</a:t>
             </a:fld>
             <a:endParaRPr lang="en-US"/>
           </a:p>
@@ -5647,7 +5647,7 @@
           <a:p>
             <a:fld id="{5958763E-B898-436D-883D-03711491D54A}" type="datetimeFigureOut">
               <a:rPr lang="en-US" smtClean="0"/>
-              <a:t>9/7/2022</a:t>
+              <a:t>9/4/2024</a:t>
             </a:fld>
             <a:endParaRPr lang="en-US"/>
           </a:p>
@@ -5897,7 +5897,7 @@
           <a:p>
             <a:fld id="{5958763E-B898-436D-883D-03711491D54A}" type="datetimeFigureOut">
               <a:rPr lang="en-US" smtClean="0"/>
-              <a:t>9/7/2022</a:t>
+              <a:t>9/4/2024</a:t>
             </a:fld>
             <a:endParaRPr lang="en-US"/>
           </a:p>
@@ -6245,7 +6245,7 @@
           <a:p>
             <a:fld id="{5958763E-B898-436D-883D-03711491D54A}" type="datetimeFigureOut">
               <a:rPr lang="en-US" smtClean="0"/>
-              <a:t>9/7/2022</a:t>
+              <a:t>9/4/2024</a:t>
             </a:fld>
             <a:endParaRPr lang="en-US"/>
           </a:p>
@@ -6661,7 +6661,7 @@
           <a:p>
             <a:fld id="{5958763E-B898-436D-883D-03711491D54A}" type="datetimeFigureOut">
               <a:rPr lang="en-US" smtClean="0"/>
-              <a:t>9/7/2022</a:t>
+              <a:t>9/4/2024</a:t>
             </a:fld>
             <a:endParaRPr lang="en-US"/>
           </a:p>
@@ -7162,7 +7162,7 @@
           <a:p>
             <a:fld id="{5958763E-B898-436D-883D-03711491D54A}" type="datetimeFigureOut">
               <a:rPr lang="en-US" smtClean="0"/>
-              <a:t>9/7/2022</a:t>
+              <a:t>9/4/2024</a:t>
             </a:fld>
             <a:endParaRPr lang="en-US"/>
           </a:p>
@@ -7613,7 +7613,7 @@
           <a:p>
             <a:fld id="{5958763E-B898-436D-883D-03711491D54A}" type="datetimeFigureOut">
               <a:rPr lang="en-US" smtClean="0"/>
-              <a:t>9/7/2022</a:t>
+              <a:t>9/4/2024</a:t>
             </a:fld>
             <a:endParaRPr lang="en-US"/>
           </a:p>
@@ -8224,7 +8224,7 @@
           <a:p>
             <a:fld id="{5958763E-B898-436D-883D-03711491D54A}" type="datetimeFigureOut">
               <a:rPr lang="en-US" smtClean="0"/>
-              <a:t>9/7/2022</a:t>
+              <a:t>9/4/2024</a:t>
             </a:fld>
             <a:endParaRPr lang="en-US"/>
           </a:p>
@@ -8995,7 +8995,7 @@
           <a:p>
             <a:fld id="{5958763E-B898-436D-883D-03711491D54A}" type="datetimeFigureOut">
               <a:rPr lang="en-US" smtClean="0"/>
-              <a:t>9/7/2022</a:t>
+              <a:t>9/4/2024</a:t>
             </a:fld>
             <a:endParaRPr lang="en-US"/>
           </a:p>
@@ -9099,7 +9099,7 @@
           <a:p>
             <a:fld id="{5958763E-B898-436D-883D-03711491D54A}" type="datetimeFigureOut">
               <a:rPr lang="en-US" smtClean="0"/>
-              <a:t>9/7/2022</a:t>
+              <a:t>9/4/2024</a:t>
             </a:fld>
             <a:endParaRPr lang="en-US"/>
           </a:p>
@@ -9426,7 +9426,7 @@
             <a:fld id="{1C2D31DE-C454-491C-B5C3-F097855E3DF7}" type="datetime4">
               <a:rPr lang="en-US" smtClean="0"/>
               <a:pPr/>
-              <a:t>September 7, 2022</a:t>
+              <a:t>September 4, 2024</a:t>
             </a:fld>
             <a:endParaRPr lang="en-US" dirty="0"/>
           </a:p>
@@ -12578,7 +12578,7 @@
           <a:p>
             <a:fld id="{5958763E-B898-436D-883D-03711491D54A}" type="datetimeFigureOut">
               <a:rPr lang="en-US" smtClean="0"/>
-              <a:t>9/7/2022</a:t>
+              <a:t>9/4/2024</a:t>
             </a:fld>
             <a:endParaRPr lang="en-US"/>
           </a:p>
@@ -12702,7 +12702,7 @@
           <a:p>
             <a:fld id="{5958763E-B898-436D-883D-03711491D54A}" type="datetimeFigureOut">
               <a:rPr lang="en-US" smtClean="0"/>
-              <a:t>9/7/2022</a:t>
+              <a:t>9/4/2024</a:t>
             </a:fld>
             <a:endParaRPr lang="en-US"/>
           </a:p>
@@ -12826,7 +12826,7 @@
           <a:p>
             <a:fld id="{5958763E-B898-436D-883D-03711491D54A}" type="datetimeFigureOut">
               <a:rPr lang="en-US" smtClean="0"/>
-              <a:t>9/7/2022</a:t>
+              <a:t>9/4/2024</a:t>
             </a:fld>
             <a:endParaRPr lang="en-US"/>
           </a:p>
@@ -12950,7 +12950,7 @@
           <a:p>
             <a:fld id="{5958763E-B898-436D-883D-03711491D54A}" type="datetimeFigureOut">
               <a:rPr lang="en-US" smtClean="0"/>
-              <a:t>9/7/2022</a:t>
+              <a:t>9/4/2024</a:t>
             </a:fld>
             <a:endParaRPr lang="en-US"/>
           </a:p>
@@ -13074,7 +13074,7 @@
           <a:p>
             <a:fld id="{5958763E-B898-436D-883D-03711491D54A}" type="datetimeFigureOut">
               <a:rPr lang="en-US" smtClean="0"/>
-              <a:t>9/7/2022</a:t>
+              <a:t>9/4/2024</a:t>
             </a:fld>
             <a:endParaRPr lang="en-US"/>
           </a:p>
@@ -13198,7 +13198,7 @@
           <a:p>
             <a:fld id="{5958763E-B898-436D-883D-03711491D54A}" type="datetimeFigureOut">
               <a:rPr lang="en-US" smtClean="0"/>
-              <a:t>9/7/2022</a:t>
+              <a:t>9/4/2024</a:t>
             </a:fld>
             <a:endParaRPr lang="en-US"/>
           </a:p>
@@ -13322,7 +13322,7 @@
           <a:p>
             <a:fld id="{5958763E-B898-436D-883D-03711491D54A}" type="datetimeFigureOut">
               <a:rPr lang="en-US" smtClean="0"/>
-              <a:t>9/7/2022</a:t>
+              <a:t>9/4/2024</a:t>
             </a:fld>
             <a:endParaRPr lang="en-US"/>
           </a:p>
@@ -13446,7 +13446,7 @@
           <a:p>
             <a:fld id="{5958763E-B898-436D-883D-03711491D54A}" type="datetimeFigureOut">
               <a:rPr lang="en-US" smtClean="0"/>
-              <a:t>9/7/2022</a:t>
+              <a:t>9/4/2024</a:t>
             </a:fld>
             <a:endParaRPr lang="en-US"/>
           </a:p>
@@ -13579,7 +13579,7 @@
           <a:p>
             <a:fld id="{5958763E-B898-436D-883D-03711491D54A}" type="datetimeFigureOut">
               <a:rPr lang="en-US" smtClean="0"/>
-              <a:t>9/7/2022</a:t>
+              <a:t>9/4/2024</a:t>
             </a:fld>
             <a:endParaRPr lang="en-US"/>
           </a:p>
@@ -16918,7 +16918,7 @@
             <a:fld id="{1C2D31DE-C454-491C-B5C3-F097855E3DF7}" type="datetime4">
               <a:rPr lang="en-US" smtClean="0"/>
               <a:pPr/>
-              <a:t>September 7, 2022</a:t>
+              <a:t>September 4, 2024</a:t>
             </a:fld>
             <a:endParaRPr lang="en-US" dirty="0"/>
           </a:p>
@@ -29154,7 +29154,7 @@
           <a:p>
             <a:fld id="{5958763E-B898-436D-883D-03711491D54A}" type="datetimeFigureOut">
               <a:rPr lang="en-US" smtClean="0"/>
-              <a:t>9/7/2022</a:t>
+              <a:t>9/4/2024</a:t>
             </a:fld>
             <a:endParaRPr lang="en-US"/>
           </a:p>
@@ -29556,7 +29556,7 @@
           <a:p>
             <a:fld id="{5958763E-B898-436D-883D-03711491D54A}" type="datetimeFigureOut">
               <a:rPr lang="en-US" smtClean="0"/>
-              <a:t>9/7/2022</a:t>
+              <a:t>9/4/2024</a:t>
             </a:fld>
             <a:endParaRPr lang="en-US"/>
           </a:p>
@@ -29850,7 +29850,7 @@
           <a:p>
             <a:fld id="{5958763E-B898-436D-883D-03711491D54A}" type="datetimeFigureOut">
               <a:rPr lang="en-US" smtClean="0"/>
-              <a:t>9/7/2022</a:t>
+              <a:t>9/4/2024</a:t>
             </a:fld>
             <a:endParaRPr lang="en-US"/>
           </a:p>
@@ -30051,7 +30051,7 @@
           <a:p>
             <a:fld id="{5958763E-B898-436D-883D-03711491D54A}" type="datetimeFigureOut">
               <a:rPr lang="en-US" smtClean="0"/>
-              <a:t>9/7/2022</a:t>
+              <a:t>9/4/2024</a:t>
             </a:fld>
             <a:endParaRPr lang="en-US"/>
           </a:p>
@@ -30312,7 +30312,7 @@
           <a:p>
             <a:fld id="{5958763E-B898-436D-883D-03711491D54A}" type="datetimeFigureOut">
               <a:rPr lang="en-US" smtClean="0"/>
-              <a:t>9/7/2022</a:t>
+              <a:t>9/4/2024</a:t>
             </a:fld>
             <a:endParaRPr lang="en-US"/>
           </a:p>
@@ -30820,7 +30820,7 @@
           <a:p>
             <a:fld id="{5958763E-B898-436D-883D-03711491D54A}" type="datetimeFigureOut">
               <a:rPr lang="en-US" smtClean="0"/>
-              <a:t>9/7/2022</a:t>
+              <a:t>9/4/2024</a:t>
             </a:fld>
             <a:endParaRPr lang="en-US"/>
           </a:p>
@@ -31299,7 +31299,7 @@
           <a:p>
             <a:fld id="{5958763E-B898-436D-883D-03711491D54A}" type="datetimeFigureOut">
               <a:rPr lang="en-US" smtClean="0"/>
-              <a:t>9/7/2022</a:t>
+              <a:t>9/4/2024</a:t>
             </a:fld>
             <a:endParaRPr lang="en-US"/>
           </a:p>
@@ -32118,7 +32118,7 @@
           <a:p>
             <a:fld id="{5958763E-B898-436D-883D-03711491D54A}" type="datetimeFigureOut">
               <a:rPr lang="en-US" smtClean="0"/>
-              <a:t>9/7/2022</a:t>
+              <a:t>9/4/2024</a:t>
             </a:fld>
             <a:endParaRPr lang="en-US"/>
           </a:p>
@@ -32319,7 +32319,7 @@
           <a:p>
             <a:fld id="{5958763E-B898-436D-883D-03711491D54A}" type="datetimeFigureOut">
               <a:rPr lang="en-US" smtClean="0"/>
-              <a:t>9/7/2022</a:t>
+              <a:t>9/4/2024</a:t>
             </a:fld>
             <a:endParaRPr lang="en-US"/>
           </a:p>
@@ -32654,7 +32654,7 @@
           <a:p>
             <a:fld id="{5958763E-B898-436D-883D-03711491D54A}" type="datetimeFigureOut">
               <a:rPr lang="en-US" smtClean="0"/>
-              <a:t>9/7/2022</a:t>
+              <a:t>9/4/2024</a:t>
             </a:fld>
             <a:endParaRPr lang="en-US"/>
           </a:p>
@@ -32884,7 +32884,7 @@
           <a:p>
             <a:fld id="{5958763E-B898-436D-883D-03711491D54A}" type="datetimeFigureOut">
               <a:rPr lang="en-US" smtClean="0"/>
-              <a:t>9/7/2022</a:t>
+              <a:t>9/4/2024</a:t>
             </a:fld>
             <a:endParaRPr lang="en-US"/>
           </a:p>
@@ -33128,7 +33128,7 @@
           <a:p>
             <a:fld id="{5958763E-B898-436D-883D-03711491D54A}" type="datetimeFigureOut">
               <a:rPr lang="en-US" smtClean="0"/>
-              <a:t>9/7/2022</a:t>
+              <a:t>9/4/2024</a:t>
             </a:fld>
             <a:endParaRPr lang="en-US"/>
           </a:p>
@@ -39393,13 +39393,13 @@
               <a:rPr lang="en-US" sz="9600" dirty="0">
                 <a:hlinkClick r:id="rId3"/>
               </a:rPr>
-              <a:t>https://replit.com/@HylandOutreach</a:t>
+              <a:t>https://jsfiddle.net/</a:t>
             </a:r>
             <a:r>
               <a:rPr lang="en-US" sz="9600">
                 <a:hlinkClick r:id="rId3"/>
               </a:rPr>
-              <a:t>/ReturnExample</a:t>
+              <a:t>f76mrngk/</a:t>
             </a:r>
             <a:endParaRPr lang="en-US" sz="11500" dirty="0"/>
           </a:p>
@@ -45278,7 +45278,7 @@
               <a:rPr lang="en-US" sz="9600" dirty="0">
                 <a:hlinkClick r:id="rId3"/>
               </a:rPr>
-              <a:t>https://replit.com/@HylandOutreach/ParameterExample</a:t>
+              <a:t>https://jsfiddle.net/jduz2h6s/</a:t>
             </a:r>
             <a:endParaRPr lang="en-US" sz="11500" dirty="0"/>
           </a:p>
